--- a/Stage 4 Presentation Slide.pptx
+++ b/Stage 4 Presentation Slide.pptx
@@ -567,7 +567,7 @@
             </a:ln>
             <a:extLst>
               <a:ext uri="{91240B29-F687-4f45-9708-019B960494DF}">
-                <a14:hiddenLine xmlns:a14="http://schemas.microsoft.com/office/drawing/2010/main" xmlns="" w="9525">
+                <a14:hiddenLine xmlns="" xmlns:a14="http://schemas.microsoft.com/office/drawing/2010/main" w="9525">
                   <a:solidFill>
                     <a:srgbClr val="000000"/>
                   </a:solidFill>
@@ -764,7 +764,7 @@
           <a:p>
             <a:fld id="{5BCAD085-E8A6-8845-BD4E-CB4CCA059FC4}" type="datetimeFigureOut">
               <a:rPr lang="en-US" smtClean="0"/>
-              <a:t>5/30/2025</a:t>
+              <a:t>5/31/2025</a:t>
             </a:fld>
             <a:endParaRPr lang="en-US"/>
           </a:p>
@@ -1648,7 +1648,7 @@
             </a:ln>
             <a:extLst>
               <a:ext uri="{91240B29-F687-4f45-9708-019B960494DF}">
-                <a14:hiddenLine xmlns:a14="http://schemas.microsoft.com/office/drawing/2010/main" xmlns="" w="9525">
+                <a14:hiddenLine xmlns="" xmlns:a14="http://schemas.microsoft.com/office/drawing/2010/main" w="9525">
                   <a:solidFill>
                     <a:srgbClr val="000000"/>
                   </a:solidFill>
@@ -1865,7 +1865,7 @@
           <a:p>
             <a:fld id="{5BCAD085-E8A6-8845-BD4E-CB4CCA059FC4}" type="datetimeFigureOut">
               <a:rPr lang="en-US" smtClean="0"/>
-              <a:t>5/30/2025</a:t>
+              <a:t>5/31/2025</a:t>
             </a:fld>
             <a:endParaRPr lang="en-US"/>
           </a:p>
@@ -2734,7 +2734,7 @@
             </a:ln>
             <a:extLst>
               <a:ext uri="{91240B29-F687-4f45-9708-019B960494DF}">
-                <a14:hiddenLine xmlns:a14="http://schemas.microsoft.com/office/drawing/2010/main" xmlns="" w="9525">
+                <a14:hiddenLine xmlns="" xmlns:a14="http://schemas.microsoft.com/office/drawing/2010/main" w="9525">
                   <a:solidFill>
                     <a:srgbClr val="000000"/>
                   </a:solidFill>
@@ -2863,7 +2863,7 @@
           <a:p>
             <a:fld id="{5BCAD085-E8A6-8845-BD4E-CB4CCA059FC4}" type="datetimeFigureOut">
               <a:rPr lang="en-US" smtClean="0"/>
-              <a:t>5/30/2025</a:t>
+              <a:t>5/31/2025</a:t>
             </a:fld>
             <a:endParaRPr lang="en-US"/>
           </a:p>
@@ -3695,7 +3695,7 @@
             </a:ln>
             <a:extLst>
               <a:ext uri="{91240B29-F687-4f45-9708-019B960494DF}">
-                <a14:hiddenLine xmlns:a14="http://schemas.microsoft.com/office/drawing/2010/main" xmlns="" w="9525">
+                <a14:hiddenLine xmlns="" xmlns:a14="http://schemas.microsoft.com/office/drawing/2010/main" w="9525">
                   <a:solidFill>
                     <a:srgbClr val="000000"/>
                   </a:solidFill>
@@ -3978,7 +3978,7 @@
           <a:p>
             <a:fld id="{5BCAD085-E8A6-8845-BD4E-CB4CCA059FC4}" type="datetimeFigureOut">
               <a:rPr lang="en-US" smtClean="0"/>
-              <a:t>5/30/2025</a:t>
+              <a:t>5/31/2025</a:t>
             </a:fld>
             <a:endParaRPr lang="en-US"/>
           </a:p>
@@ -4810,7 +4810,7 @@
             </a:ln>
             <a:extLst>
               <a:ext uri="{91240B29-F687-4f45-9708-019B960494DF}">
-                <a14:hiddenLine xmlns:a14="http://schemas.microsoft.com/office/drawing/2010/main" xmlns="" w="9525">
+                <a14:hiddenLine xmlns="" xmlns:a14="http://schemas.microsoft.com/office/drawing/2010/main" w="9525">
                   <a:solidFill>
                     <a:srgbClr val="000000"/>
                   </a:solidFill>
@@ -4992,7 +4992,7 @@
           <a:p>
             <a:fld id="{5BCAD085-E8A6-8845-BD4E-CB4CCA059FC4}" type="datetimeFigureOut">
               <a:rPr lang="en-US" smtClean="0"/>
-              <a:t>5/30/2025</a:t>
+              <a:t>5/31/2025</a:t>
             </a:fld>
             <a:endParaRPr lang="en-US"/>
           </a:p>
@@ -5664,7 +5664,7 @@
           <a:p>
             <a:fld id="{5BCAD085-E8A6-8845-BD4E-CB4CCA059FC4}" type="datetimeFigureOut">
               <a:rPr lang="en-US" smtClean="0"/>
-              <a:t>5/30/2025</a:t>
+              <a:t>5/31/2025</a:t>
             </a:fld>
             <a:endParaRPr lang="en-US"/>
           </a:p>
@@ -6537,7 +6537,7 @@
           <a:p>
             <a:fld id="{5BCAD085-E8A6-8845-BD4E-CB4CCA059FC4}" type="datetimeFigureOut">
               <a:rPr lang="en-US" smtClean="0"/>
-              <a:t>5/30/2025</a:t>
+              <a:t>5/31/2025</a:t>
             </a:fld>
             <a:endParaRPr lang="en-US"/>
           </a:p>
@@ -6724,7 +6724,7 @@
           <a:p>
             <a:fld id="{5BCAD085-E8A6-8845-BD4E-CB4CCA059FC4}" type="datetimeFigureOut">
               <a:rPr lang="en-US" smtClean="0"/>
-              <a:t>5/30/2025</a:t>
+              <a:t>5/31/2025</a:t>
             </a:fld>
             <a:endParaRPr lang="en-US"/>
           </a:p>
@@ -7559,7 +7559,7 @@
           </a:ln>
           <a:extLst>
             <a:ext uri="{91240B29-F687-4f45-9708-019B960494DF}">
-              <a14:hiddenLine xmlns:a14="http://schemas.microsoft.com/office/drawing/2010/main" xmlns="" w="9525">
+              <a14:hiddenLine xmlns="" xmlns:a14="http://schemas.microsoft.com/office/drawing/2010/main" w="9525">
                 <a:solidFill>
                   <a:srgbClr val="000000"/>
                 </a:solidFill>
@@ -7673,7 +7673,7 @@
           <a:p>
             <a:fld id="{5BCAD085-E8A6-8845-BD4E-CB4CCA059FC4}" type="datetimeFigureOut">
               <a:rPr lang="en-US" smtClean="0"/>
-              <a:t>5/30/2025</a:t>
+              <a:t>5/31/2025</a:t>
             </a:fld>
             <a:endParaRPr lang="en-US"/>
           </a:p>
@@ -7905,7 +7905,7 @@
           <a:p>
             <a:fld id="{5BCAD085-E8A6-8845-BD4E-CB4CCA059FC4}" type="datetimeFigureOut">
               <a:rPr lang="en-US" smtClean="0"/>
-              <a:t>5/30/2025</a:t>
+              <a:t>5/31/2025</a:t>
             </a:fld>
             <a:endParaRPr lang="en-US"/>
           </a:p>
@@ -8734,7 +8734,7 @@
             </a:ln>
             <a:extLst>
               <a:ext uri="{91240B29-F687-4f45-9708-019B960494DF}">
-                <a14:hiddenLine xmlns:a14="http://schemas.microsoft.com/office/drawing/2010/main" xmlns="" w="9525">
+                <a14:hiddenLine xmlns="" xmlns:a14="http://schemas.microsoft.com/office/drawing/2010/main" w="9525">
                   <a:solidFill>
                     <a:srgbClr val="000000"/>
                   </a:solidFill>
@@ -8916,7 +8916,7 @@
           <a:p>
             <a:fld id="{5BCAD085-E8A6-8845-BD4E-CB4CCA059FC4}" type="datetimeFigureOut">
               <a:rPr lang="en-US" smtClean="0"/>
-              <a:t>5/30/2025</a:t>
+              <a:t>5/31/2025</a:t>
             </a:fld>
             <a:endParaRPr lang="en-US"/>
           </a:p>
@@ -9200,7 +9200,7 @@
           <a:p>
             <a:fld id="{5BCAD085-E8A6-8845-BD4E-CB4CCA059FC4}" type="datetimeFigureOut">
               <a:rPr lang="en-US" smtClean="0"/>
-              <a:t>5/30/2025</a:t>
+              <a:t>5/31/2025</a:t>
             </a:fld>
             <a:endParaRPr lang="en-US"/>
           </a:p>
@@ -9600,7 +9600,7 @@
           <a:p>
             <a:fld id="{5BCAD085-E8A6-8845-BD4E-CB4CCA059FC4}" type="datetimeFigureOut">
               <a:rPr lang="en-US" smtClean="0"/>
-              <a:t>5/30/2025</a:t>
+              <a:t>5/31/2025</a:t>
             </a:fld>
             <a:endParaRPr lang="en-US"/>
           </a:p>
@@ -9730,7 +9730,7 @@
           <a:p>
             <a:fld id="{5BCAD085-E8A6-8845-BD4E-CB4CCA059FC4}" type="datetimeFigureOut">
               <a:rPr lang="en-US" smtClean="0"/>
-              <a:t>5/30/2025</a:t>
+              <a:t>5/31/2025</a:t>
             </a:fld>
             <a:endParaRPr lang="en-US"/>
           </a:p>
@@ -9873,7 +9873,7 @@
           <a:p>
             <a:fld id="{5BCAD085-E8A6-8845-BD4E-CB4CCA059FC4}" type="datetimeFigureOut">
               <a:rPr lang="en-US" smtClean="0"/>
-              <a:t>5/30/2025</a:t>
+              <a:t>5/31/2025</a:t>
             </a:fld>
             <a:endParaRPr lang="en-US"/>
           </a:p>
@@ -10702,7 +10702,7 @@
             </a:ln>
             <a:extLst>
               <a:ext uri="{91240B29-F687-4f45-9708-019B960494DF}">
-                <a14:hiddenLine xmlns:a14="http://schemas.microsoft.com/office/drawing/2010/main" xmlns="" w="9525">
+                <a14:hiddenLine xmlns="" xmlns:a14="http://schemas.microsoft.com/office/drawing/2010/main" w="9525">
                   <a:solidFill>
                     <a:srgbClr val="000000"/>
                   </a:solidFill>
@@ -10895,7 +10895,7 @@
           <a:p>
             <a:fld id="{5BCAD085-E8A6-8845-BD4E-CB4CCA059FC4}" type="datetimeFigureOut">
               <a:rPr lang="en-US" smtClean="0"/>
-              <a:t>5/30/2025</a:t>
+              <a:t>5/31/2025</a:t>
             </a:fld>
             <a:endParaRPr lang="en-US"/>
           </a:p>
@@ -11760,7 +11760,7 @@
             </a:ln>
             <a:extLst>
               <a:ext uri="{91240B29-F687-4f45-9708-019B960494DF}">
-                <a14:hiddenLine xmlns:a14="http://schemas.microsoft.com/office/drawing/2010/main" xmlns="" w="9525">
+                <a14:hiddenLine xmlns="" xmlns:a14="http://schemas.microsoft.com/office/drawing/2010/main" w="9525">
                   <a:solidFill>
                     <a:srgbClr val="000000"/>
                   </a:solidFill>
@@ -11977,7 +11977,7 @@
           <a:p>
             <a:fld id="{5BCAD085-E8A6-8845-BD4E-CB4CCA059FC4}" type="datetimeFigureOut">
               <a:rPr lang="en-US" smtClean="0"/>
-              <a:t>5/30/2025</a:t>
+              <a:t>5/31/2025</a:t>
             </a:fld>
             <a:endParaRPr lang="en-US"/>
           </a:p>
@@ -12810,7 +12810,7 @@
             </a:ln>
             <a:extLst>
               <a:ext uri="{91240B29-F687-4f45-9708-019B960494DF}">
-                <a14:hiddenLine xmlns:a14="http://schemas.microsoft.com/office/drawing/2010/main" xmlns="" w="9525">
+                <a14:hiddenLine xmlns="" xmlns:a14="http://schemas.microsoft.com/office/drawing/2010/main" w="9525">
                   <a:solidFill>
                     <a:srgbClr val="000000"/>
                   </a:solidFill>
@@ -12951,7 +12951,7 @@
           <a:p>
             <a:fld id="{5BCAD085-E8A6-8845-BD4E-CB4CCA059FC4}" type="datetimeFigureOut">
               <a:rPr lang="en-US" smtClean="0"/>
-              <a:t>5/30/2025</a:t>
+              <a:t>5/31/2025</a:t>
             </a:fld>
             <a:endParaRPr lang="en-US"/>
           </a:p>
@@ -14477,19 +14477,69 @@
             <p:ph idx="1"/>
           </p:nvPr>
         </p:nvSpPr>
-        <p:spPr/>
+        <p:spPr>
+          <a:xfrm>
+            <a:off x="864381" y="2489200"/>
+            <a:ext cx="7576233" cy="4207022"/>
+          </a:xfrm>
+        </p:spPr>
         <p:txBody>
-          <a:bodyPr/>
+          <a:bodyPr>
+            <a:normAutofit lnSpcReduction="10000"/>
+          </a:bodyPr>
           <a:lstStyle/>
           <a:p>
             <a:r>
+              <a:rPr dirty="0"/>
               <a:t>“To care for the mind of a generation, we must speak their language — digital, empathetic, and accessible.”</a:t>
             </a:r>
-          </a:p>
-          <a:p>
-            <a:r>
+            <a:endParaRPr lang="en-US" dirty="0"/>
+          </a:p>
+          <a:p>
+            <a:r>
+              <a:rPr lang="en-US" dirty="0"/>
+              <a:t>We recommended a mobile-first mental health platform that:</a:t>
+            </a:r>
+          </a:p>
+          <a:p>
+            <a:r>
+              <a:rPr lang="en-US" dirty="0"/>
+              <a:t>- Offers anonymous peer support</a:t>
+            </a:r>
+          </a:p>
+          <a:p>
+            <a:r>
+              <a:rPr lang="en-US" dirty="0"/>
+              <a:t>- Connects users with verified mental health professionals</a:t>
+            </a:r>
+          </a:p>
+          <a:p>
+            <a:r>
+              <a:rPr lang="en-US" dirty="0"/>
+              <a:t>- Incorporates gamified self-care activities and progress tracking</a:t>
+            </a:r>
+          </a:p>
+          <a:p>
+            <a:r>
+              <a:rPr lang="en-US" dirty="0"/>
+              <a:t>- Educates users through culturally relevant mental health content</a:t>
+            </a:r>
+          </a:p>
+          <a:p>
+            <a:pPr marL="0" indent="0">
+              <a:buNone/>
+            </a:pPr>
+            <a:endParaRPr lang="en-US" dirty="0"/>
+          </a:p>
+          <a:p>
+            <a:pPr marL="0" indent="0" algn="ctr">
+              <a:buNone/>
+            </a:pPr>
+            <a:r>
+              <a:rPr lang="en-US" b="1" i="1" dirty="0"/>
               <a:t>Let’s build a safe, affordable, and smart mental health space for Nigerian youth.</a:t>
             </a:r>
+            <a:endParaRPr lang="en-NG" b="1" i="1" dirty="0"/>
           </a:p>
         </p:txBody>
       </p:sp>
@@ -14549,10 +14599,15 @@
             <p:ph idx="1"/>
           </p:nvPr>
         </p:nvSpPr>
-        <p:spPr/>
+        <p:spPr>
+          <a:xfrm>
+            <a:off x="864382" y="2489199"/>
+            <a:ext cx="6345260" cy="3784991"/>
+          </a:xfrm>
+        </p:spPr>
         <p:txBody>
           <a:bodyPr>
-            <a:normAutofit lnSpcReduction="10000"/>
+            <a:normAutofit/>
           </a:bodyPr>
           <a:lstStyle/>
           <a:p>
@@ -14578,40 +14633,73 @@
           </a:p>
           <a:p>
             <a:r>
-              <a:rPr dirty="0"/>
-              <a:t>1. </a:t>
-            </a:r>
-            <a:r>
               <a:rPr lang="en-US" dirty="0"/>
               <a:t>Bukunmi Adeeko</a:t>
             </a:r>
-            <a:endParaRPr dirty="0"/>
-          </a:p>
-          <a:p>
-            <a:r>
-              <a:rPr dirty="0"/>
-              <a:t>2. </a:t>
-            </a:r>
-          </a:p>
-          <a:p>
-            <a:r>
-              <a:rPr dirty="0"/>
-              <a:t>3. </a:t>
-            </a:r>
-          </a:p>
-          <a:p>
-            <a:r>
-              <a:rPr dirty="0"/>
-              <a:t>4. </a:t>
+          </a:p>
+          <a:p>
+            <a:r>
+              <a:rPr lang="en-US" dirty="0" err="1"/>
+              <a:t>Tosin</a:t>
+            </a:r>
+            <a:r>
+              <a:rPr lang="en-US" dirty="0"/>
+              <a:t> </a:t>
+            </a:r>
+            <a:r>
+              <a:rPr lang="en-US" dirty="0" err="1"/>
+              <a:t>Omoleye</a:t>
             </a:r>
             <a:endParaRPr lang="en-US" dirty="0"/>
           </a:p>
           <a:p>
             <a:r>
+              <a:rPr lang="en-US" dirty="0" err="1"/>
+              <a:t>Favour</a:t>
+            </a:r>
+            <a:r>
               <a:rPr lang="en-US" dirty="0"/>
-              <a:t>5.</a:t>
-            </a:r>
-            <a:endParaRPr dirty="0"/>
+              <a:t> C. </a:t>
+            </a:r>
+            <a:r>
+              <a:rPr lang="en-US" dirty="0" err="1"/>
+              <a:t>Nnadozie</a:t>
+            </a:r>
+            <a:endParaRPr lang="en-US" dirty="0"/>
+          </a:p>
+          <a:p>
+            <a:r>
+              <a:rPr lang="en-US" dirty="0"/>
+              <a:t>Kazeem </a:t>
+            </a:r>
+            <a:r>
+              <a:rPr lang="en-US" dirty="0" err="1"/>
+              <a:t>Bintu</a:t>
+            </a:r>
+            <a:r>
+              <a:rPr lang="en-US" dirty="0"/>
+              <a:t> </a:t>
+            </a:r>
+            <a:r>
+              <a:rPr lang="en-US" dirty="0" err="1"/>
+              <a:t>Adunni</a:t>
+            </a:r>
+            <a:endParaRPr lang="en-US" dirty="0"/>
+          </a:p>
+          <a:p>
+            <a:r>
+              <a:rPr lang="en-US" dirty="0" err="1"/>
+              <a:t>Ubasom</a:t>
+            </a:r>
+            <a:r>
+              <a:rPr lang="en-US" dirty="0"/>
+              <a:t> </a:t>
+            </a:r>
+            <a:r>
+              <a:rPr lang="en-US" dirty="0" err="1"/>
+              <a:t>Josemaria</a:t>
+            </a:r>
+            <a:endParaRPr lang="en-NG" dirty="0"/>
           </a:p>
         </p:txBody>
       </p:sp>
